--- a/Blood4Life/Sprint-2/Diagramas/diagama-de-arq-microservice.pptx
+++ b/Blood4Life/Sprint-2/Diagramas/diagama-de-arq-microservice.pptx
@@ -113,14 +113,40 @@
 </p:presentation>
 </file>
 
-<file path=ppt/revisionInfo.xml><?xml version="1.0" encoding="utf-8"?>
-<p1510:revInfo xmlns:a="http://schemas.openxmlformats.org/drawingml/2006/main" xmlns:r="http://schemas.openxmlformats.org/officeDocument/2006/relationships" xmlns:p1510="http://schemas.microsoft.com/office/powerpoint/2015/10/main">
-  <p1510:revLst>
-    <p1510:client id="{7D3B08C4-7765-BCEA-390A-F6633382E152}" v="295" dt="2020-11-16T20:57:45.200"/>
-    <p1510:client id="{B408ACAE-D4C6-5DBA-7664-CEAE5D684C25}" v="121" dt="2020-11-16T21:43:30.266"/>
-    <p1510:client id="{F34C12AD-C863-3DAB-D650-ABEE2CB8EF58}" v="813" dt="2020-11-16T21:50:43.588"/>
-  </p1510:revLst>
-</p1510:revInfo>
+<file path=ppt/changesInfos/changesInfo1.xml><?xml version="1.0" encoding="utf-8"?>
+<pc:chgInfo xmlns:a="http://schemas.openxmlformats.org/drawingml/2006/main" xmlns:r="http://schemas.openxmlformats.org/officeDocument/2006/relationships" xmlns:ac="http://schemas.microsoft.com/office/drawing/2013/main/command" xmlns:pc="http://schemas.microsoft.com/office/powerpoint/2013/main/command">
+  <pc:docChgLst>
+    <pc:chgData name="Daniel Juncks" userId="0f121773a5ae8ec2" providerId="LiveId" clId="{F5E0C847-961F-4E21-A1F9-04D0516CB5FE}"/>
+    <pc:docChg chg="undo custSel addSld delSld modSld">
+      <pc:chgData name="Daniel Juncks" userId="0f121773a5ae8ec2" providerId="LiveId" clId="{F5E0C847-961F-4E21-A1F9-04D0516CB5FE}" dt="2020-12-13T13:49:11.478" v="5" actId="47"/>
+      <pc:docMkLst>
+        <pc:docMk/>
+      </pc:docMkLst>
+      <pc:sldChg chg="addSp delSp add del mod">
+        <pc:chgData name="Daniel Juncks" userId="0f121773a5ae8ec2" providerId="LiveId" clId="{F5E0C847-961F-4E21-A1F9-04D0516CB5FE}" dt="2020-12-13T13:48:01.769" v="4" actId="47"/>
+        <pc:sldMkLst>
+          <pc:docMk/>
+          <pc:sldMk cId="109857222" sldId="256"/>
+        </pc:sldMkLst>
+        <pc:spChg chg="add del">
+          <ac:chgData name="Daniel Juncks" userId="0f121773a5ae8ec2" providerId="LiveId" clId="{F5E0C847-961F-4E21-A1F9-04D0516CB5FE}" dt="2020-12-13T13:46:55.739" v="1" actId="22"/>
+          <ac:spMkLst>
+            <pc:docMk/>
+            <pc:sldMk cId="109857222" sldId="256"/>
+            <ac:spMk id="5" creationId="{571A105C-1C34-4054-BEA3-668656F6F9FA}"/>
+          </ac:spMkLst>
+        </pc:spChg>
+      </pc:sldChg>
+      <pc:sldChg chg="add del">
+        <pc:chgData name="Daniel Juncks" userId="0f121773a5ae8ec2" providerId="LiveId" clId="{F5E0C847-961F-4E21-A1F9-04D0516CB5FE}" dt="2020-12-13T13:49:11.478" v="5" actId="47"/>
+        <pc:sldMkLst>
+          <pc:docMk/>
+          <pc:sldMk cId="416413817" sldId="258"/>
+        </pc:sldMkLst>
+      </pc:sldChg>
+    </pc:docChg>
+  </pc:docChgLst>
+</pc:chgInfo>
 </file>
 
 <file path=ppt/slideLayouts/slideLayout1.xml><?xml version="1.0" encoding="utf-8"?>
@@ -254,7 +280,7 @@
           <a:p>
             <a:fld id="{846CE7D5-CF57-46EF-B807-FDD0502418D4}" type="datetimeFigureOut">
               <a:rPr lang="en-US" smtClean="0"/>
-              <a:t>11/16/2020</a:t>
+              <a:t>12/13/2020</a:t>
             </a:fld>
             <a:endParaRPr lang="en-US"/>
           </a:p>
@@ -296,7 +322,7 @@
           <a:p>
             <a:fld id="{330EA680-D336-4FF7-8B7A-9848BB0A1C32}" type="slidenum">
               <a:rPr lang="en-US" smtClean="0"/>
-              <a:t>‹#›</a:t>
+              <a:t>‹nº›</a:t>
             </a:fld>
             <a:endParaRPr lang="en-US"/>
           </a:p>
@@ -424,7 +450,7 @@
           <a:p>
             <a:fld id="{846CE7D5-CF57-46EF-B807-FDD0502418D4}" type="datetimeFigureOut">
               <a:rPr lang="en-US" smtClean="0"/>
-              <a:t>11/16/2020</a:t>
+              <a:t>12/13/2020</a:t>
             </a:fld>
             <a:endParaRPr lang="en-US"/>
           </a:p>
@@ -466,7 +492,7 @@
           <a:p>
             <a:fld id="{330EA680-D336-4FF7-8B7A-9848BB0A1C32}" type="slidenum">
               <a:rPr lang="en-US" smtClean="0"/>
-              <a:t>‹#›</a:t>
+              <a:t>‹nº›</a:t>
             </a:fld>
             <a:endParaRPr lang="en-US"/>
           </a:p>
@@ -604,7 +630,7 @@
           <a:p>
             <a:fld id="{846CE7D5-CF57-46EF-B807-FDD0502418D4}" type="datetimeFigureOut">
               <a:rPr lang="en-US" smtClean="0"/>
-              <a:t>11/16/2020</a:t>
+              <a:t>12/13/2020</a:t>
             </a:fld>
             <a:endParaRPr lang="en-US"/>
           </a:p>
@@ -646,7 +672,7 @@
           <a:p>
             <a:fld id="{330EA680-D336-4FF7-8B7A-9848BB0A1C32}" type="slidenum">
               <a:rPr lang="en-US" smtClean="0"/>
-              <a:t>‹#›</a:t>
+              <a:t>‹nº›</a:t>
             </a:fld>
             <a:endParaRPr lang="en-US"/>
           </a:p>
@@ -774,7 +800,7 @@
           <a:p>
             <a:fld id="{846CE7D5-CF57-46EF-B807-FDD0502418D4}" type="datetimeFigureOut">
               <a:rPr lang="en-US" smtClean="0"/>
-              <a:t>11/16/2020</a:t>
+              <a:t>12/13/2020</a:t>
             </a:fld>
             <a:endParaRPr lang="en-US"/>
           </a:p>
@@ -816,7 +842,7 @@
           <a:p>
             <a:fld id="{330EA680-D336-4FF7-8B7A-9848BB0A1C32}" type="slidenum">
               <a:rPr lang="en-US" smtClean="0"/>
-              <a:t>‹#›</a:t>
+              <a:t>‹nº›</a:t>
             </a:fld>
             <a:endParaRPr lang="en-US"/>
           </a:p>
@@ -1020,7 +1046,7 @@
           <a:p>
             <a:fld id="{846CE7D5-CF57-46EF-B807-FDD0502418D4}" type="datetimeFigureOut">
               <a:rPr lang="en-US" smtClean="0"/>
-              <a:t>11/16/2020</a:t>
+              <a:t>12/13/2020</a:t>
             </a:fld>
             <a:endParaRPr lang="en-US"/>
           </a:p>
@@ -1062,7 +1088,7 @@
           <a:p>
             <a:fld id="{330EA680-D336-4FF7-8B7A-9848BB0A1C32}" type="slidenum">
               <a:rPr lang="en-US" smtClean="0"/>
-              <a:t>‹#›</a:t>
+              <a:t>‹nº›</a:t>
             </a:fld>
             <a:endParaRPr lang="en-US"/>
           </a:p>
@@ -1252,7 +1278,7 @@
           <a:p>
             <a:fld id="{846CE7D5-CF57-46EF-B807-FDD0502418D4}" type="datetimeFigureOut">
               <a:rPr lang="en-US" smtClean="0"/>
-              <a:t>11/16/2020</a:t>
+              <a:t>12/13/2020</a:t>
             </a:fld>
             <a:endParaRPr lang="en-US"/>
           </a:p>
@@ -1294,7 +1320,7 @@
           <a:p>
             <a:fld id="{330EA680-D336-4FF7-8B7A-9848BB0A1C32}" type="slidenum">
               <a:rPr lang="en-US" smtClean="0"/>
-              <a:t>‹#›</a:t>
+              <a:t>‹nº›</a:t>
             </a:fld>
             <a:endParaRPr lang="en-US"/>
           </a:p>
@@ -1619,7 +1645,7 @@
           <a:p>
             <a:fld id="{846CE7D5-CF57-46EF-B807-FDD0502418D4}" type="datetimeFigureOut">
               <a:rPr lang="en-US" smtClean="0"/>
-              <a:t>11/16/2020</a:t>
+              <a:t>12/13/2020</a:t>
             </a:fld>
             <a:endParaRPr lang="en-US"/>
           </a:p>
@@ -1661,7 +1687,7 @@
           <a:p>
             <a:fld id="{330EA680-D336-4FF7-8B7A-9848BB0A1C32}" type="slidenum">
               <a:rPr lang="en-US" smtClean="0"/>
-              <a:t>‹#›</a:t>
+              <a:t>‹nº›</a:t>
             </a:fld>
             <a:endParaRPr lang="en-US"/>
           </a:p>
@@ -1737,7 +1763,7 @@
           <a:p>
             <a:fld id="{846CE7D5-CF57-46EF-B807-FDD0502418D4}" type="datetimeFigureOut">
               <a:rPr lang="en-US" smtClean="0"/>
-              <a:t>11/16/2020</a:t>
+              <a:t>12/13/2020</a:t>
             </a:fld>
             <a:endParaRPr lang="en-US"/>
           </a:p>
@@ -1779,7 +1805,7 @@
           <a:p>
             <a:fld id="{330EA680-D336-4FF7-8B7A-9848BB0A1C32}" type="slidenum">
               <a:rPr lang="en-US" smtClean="0"/>
-              <a:t>‹#›</a:t>
+              <a:t>‹nº›</a:t>
             </a:fld>
             <a:endParaRPr lang="en-US"/>
           </a:p>
@@ -1832,7 +1858,7 @@
           <a:p>
             <a:fld id="{846CE7D5-CF57-46EF-B807-FDD0502418D4}" type="datetimeFigureOut">
               <a:rPr lang="en-US" smtClean="0"/>
-              <a:t>11/16/2020</a:t>
+              <a:t>12/13/2020</a:t>
             </a:fld>
             <a:endParaRPr lang="en-US"/>
           </a:p>
@@ -1874,7 +1900,7 @@
           <a:p>
             <a:fld id="{330EA680-D336-4FF7-8B7A-9848BB0A1C32}" type="slidenum">
               <a:rPr lang="en-US" smtClean="0"/>
-              <a:t>‹#›</a:t>
+              <a:t>‹nº›</a:t>
             </a:fld>
             <a:endParaRPr lang="en-US"/>
           </a:p>
@@ -2109,7 +2135,7 @@
           <a:p>
             <a:fld id="{846CE7D5-CF57-46EF-B807-FDD0502418D4}" type="datetimeFigureOut">
               <a:rPr lang="en-US" smtClean="0"/>
-              <a:t>11/16/2020</a:t>
+              <a:t>12/13/2020</a:t>
             </a:fld>
             <a:endParaRPr lang="en-US"/>
           </a:p>
@@ -2151,7 +2177,7 @@
           <a:p>
             <a:fld id="{330EA680-D336-4FF7-8B7A-9848BB0A1C32}" type="slidenum">
               <a:rPr lang="en-US" smtClean="0"/>
-              <a:t>‹#›</a:t>
+              <a:t>‹nº›</a:t>
             </a:fld>
             <a:endParaRPr lang="en-US"/>
           </a:p>
@@ -2366,7 +2392,7 @@
           <a:p>
             <a:fld id="{846CE7D5-CF57-46EF-B807-FDD0502418D4}" type="datetimeFigureOut">
               <a:rPr lang="en-US" smtClean="0"/>
-              <a:t>11/16/2020</a:t>
+              <a:t>12/13/2020</a:t>
             </a:fld>
             <a:endParaRPr lang="en-US"/>
           </a:p>
@@ -2408,7 +2434,7 @@
           <a:p>
             <a:fld id="{330EA680-D336-4FF7-8B7A-9848BB0A1C32}" type="slidenum">
               <a:rPr lang="en-US" smtClean="0"/>
-              <a:t>‹#›</a:t>
+              <a:t>‹nº›</a:t>
             </a:fld>
             <a:endParaRPr lang="en-US"/>
           </a:p>
@@ -2579,7 +2605,7 @@
           <a:p>
             <a:fld id="{846CE7D5-CF57-46EF-B807-FDD0502418D4}" type="datetimeFigureOut">
               <a:rPr lang="en-US" smtClean="0"/>
-              <a:t>11/16/2020</a:t>
+              <a:t>12/13/2020</a:t>
             </a:fld>
             <a:endParaRPr lang="en-US"/>
           </a:p>
@@ -2657,7 +2683,7 @@
           <a:p>
             <a:fld id="{330EA680-D336-4FF7-8B7A-9848BB0A1C32}" type="slidenum">
               <a:rPr lang="en-US" smtClean="0"/>
-              <a:t>‹#›</a:t>
+              <a:t>‹nº›</a:t>
             </a:fld>
             <a:endParaRPr lang="en-US"/>
           </a:p>
